--- a/ESP1001 Espanol Fundamental/reference_materials/5_2_Gender exercise and TENER verb; Numbers.pptx
+++ b/ESP1001 Espanol Fundamental/reference_materials/5_2_Gender exercise and TENER verb; Numbers.pptx
@@ -112,7 +112,7 @@
   </p:defaultTextStyle>
   <p:extLst>
     <p:ext uri="{EFAFB233-063F-42B5-8137-9DF3F51BA10A}">
-      <p15:sldGuideLst xmlns="" xmlns:p15="http://schemas.microsoft.com/office/powerpoint/2012/main">
+      <p15:sldGuideLst xmlns:p15="http://schemas.microsoft.com/office/powerpoint/2012/main">
         <p15:guide id="1" orient="horz" pos="2160">
           <p15:clr>
             <a:srgbClr val="A4A3A4"/>
@@ -194,6 +194,45 @@
     </pc:docChg>
   </pc:docChgLst>
   <pc:docChgLst>
+    <pc:chgData name="shilpi gupta" userId="5ce4f23861899b28" providerId="LiveId" clId="{1E8A4B3D-FD24-4A48-8809-A8230F6B83CD}"/>
+    <pc:docChg chg="modSld">
+      <pc:chgData name="shilpi gupta" userId="5ce4f23861899b28" providerId="LiveId" clId="{1E8A4B3D-FD24-4A48-8809-A8230F6B83CD}" dt="2019-08-07T04:42:20.325" v="4" actId="20577"/>
+      <pc:docMkLst>
+        <pc:docMk/>
+      </pc:docMkLst>
+      <pc:sldChg chg="modSp">
+        <pc:chgData name="shilpi gupta" userId="5ce4f23861899b28" providerId="LiveId" clId="{1E8A4B3D-FD24-4A48-8809-A8230F6B83CD}" dt="2019-08-06T08:38:40.346" v="1" actId="20577"/>
+        <pc:sldMkLst>
+          <pc:docMk/>
+          <pc:sldMk cId="3236646070" sldId="262"/>
+        </pc:sldMkLst>
+        <pc:spChg chg="mod">
+          <ac:chgData name="shilpi gupta" userId="5ce4f23861899b28" providerId="LiveId" clId="{1E8A4B3D-FD24-4A48-8809-A8230F6B83CD}" dt="2019-08-06T08:38:40.346" v="1" actId="20577"/>
+          <ac:spMkLst>
+            <pc:docMk/>
+            <pc:sldMk cId="3236646070" sldId="262"/>
+            <ac:spMk id="3" creationId="{00000000-0000-0000-0000-000000000000}"/>
+          </ac:spMkLst>
+        </pc:spChg>
+      </pc:sldChg>
+      <pc:sldChg chg="modSp">
+        <pc:chgData name="shilpi gupta" userId="5ce4f23861899b28" providerId="LiveId" clId="{1E8A4B3D-FD24-4A48-8809-A8230F6B83CD}" dt="2019-08-07T04:42:20.325" v="4" actId="20577"/>
+        <pc:sldMkLst>
+          <pc:docMk/>
+          <pc:sldMk cId="4153668205" sldId="263"/>
+        </pc:sldMkLst>
+        <pc:spChg chg="mod">
+          <ac:chgData name="shilpi gupta" userId="5ce4f23861899b28" providerId="LiveId" clId="{1E8A4B3D-FD24-4A48-8809-A8230F6B83CD}" dt="2019-08-07T04:42:20.325" v="4" actId="20577"/>
+          <ac:spMkLst>
+            <pc:docMk/>
+            <pc:sldMk cId="4153668205" sldId="263"/>
+            <ac:spMk id="3" creationId="{00000000-0000-0000-0000-000000000000}"/>
+          </ac:spMkLst>
+        </pc:spChg>
+      </pc:sldChg>
+    </pc:docChg>
+  </pc:docChgLst>
+  <pc:docChgLst>
     <pc:chgData name="shilpi gupta" userId="5ce4f23861899b28" providerId="LiveId" clId="{D11C53B2-EF39-49E3-B92E-7F403144F95E}"/>
     <pc:docChg chg="custSel modSld">
       <pc:chgData name="shilpi gupta" userId="5ce4f23861899b28" providerId="LiveId" clId="{D11C53B2-EF39-49E3-B92E-7F403144F95E}" dt="2021-03-02T02:52:16.204" v="75" actId="20577"/>
@@ -241,45 +280,6 @@
       </pc:sldChg>
     </pc:docChg>
   </pc:docChgLst>
-  <pc:docChgLst>
-    <pc:chgData name="shilpi gupta" userId="5ce4f23861899b28" providerId="LiveId" clId="{1E8A4B3D-FD24-4A48-8809-A8230F6B83CD}"/>
-    <pc:docChg chg="modSld">
-      <pc:chgData name="shilpi gupta" userId="5ce4f23861899b28" providerId="LiveId" clId="{1E8A4B3D-FD24-4A48-8809-A8230F6B83CD}" dt="2019-08-07T04:42:20.325" v="4" actId="20577"/>
-      <pc:docMkLst>
-        <pc:docMk/>
-      </pc:docMkLst>
-      <pc:sldChg chg="modSp">
-        <pc:chgData name="shilpi gupta" userId="5ce4f23861899b28" providerId="LiveId" clId="{1E8A4B3D-FD24-4A48-8809-A8230F6B83CD}" dt="2019-08-06T08:38:40.346" v="1" actId="20577"/>
-        <pc:sldMkLst>
-          <pc:docMk/>
-          <pc:sldMk cId="3236646070" sldId="262"/>
-        </pc:sldMkLst>
-        <pc:spChg chg="mod">
-          <ac:chgData name="shilpi gupta" userId="5ce4f23861899b28" providerId="LiveId" clId="{1E8A4B3D-FD24-4A48-8809-A8230F6B83CD}" dt="2019-08-06T08:38:40.346" v="1" actId="20577"/>
-          <ac:spMkLst>
-            <pc:docMk/>
-            <pc:sldMk cId="3236646070" sldId="262"/>
-            <ac:spMk id="3" creationId="{00000000-0000-0000-0000-000000000000}"/>
-          </ac:spMkLst>
-        </pc:spChg>
-      </pc:sldChg>
-      <pc:sldChg chg="modSp">
-        <pc:chgData name="shilpi gupta" userId="5ce4f23861899b28" providerId="LiveId" clId="{1E8A4B3D-FD24-4A48-8809-A8230F6B83CD}" dt="2019-08-07T04:42:20.325" v="4" actId="20577"/>
-        <pc:sldMkLst>
-          <pc:docMk/>
-          <pc:sldMk cId="4153668205" sldId="263"/>
-        </pc:sldMkLst>
-        <pc:spChg chg="mod">
-          <ac:chgData name="shilpi gupta" userId="5ce4f23861899b28" providerId="LiveId" clId="{1E8A4B3D-FD24-4A48-8809-A8230F6B83CD}" dt="2019-08-07T04:42:20.325" v="4" actId="20577"/>
-          <ac:spMkLst>
-            <pc:docMk/>
-            <pc:sldMk cId="4153668205" sldId="263"/>
-            <ac:spMk id="3" creationId="{00000000-0000-0000-0000-000000000000}"/>
-          </ac:spMkLst>
-        </pc:spChg>
-      </pc:sldChg>
-    </pc:docChg>
-  </pc:docChgLst>
 </pc:chgInfo>
 </file>
 
@@ -365,7 +365,7 @@
           <a:p>
             <a:fld id="{7765B05E-3553-4C3F-ACD2-6A888B89578D}" type="datetimeFigureOut">
               <a:rPr lang="en-US" smtClean="0"/>
-              <a:t>27-Jan-22</a:t>
+              <a:t>4/24/22</a:t>
             </a:fld>
             <a:endParaRPr lang="en-US"/>
           </a:p>
@@ -429,38 +429,37 @@
           <a:p>
             <a:pPr lvl="0"/>
             <a:r>
-              <a:rPr lang="en-US" smtClean="0"/>
+              <a:rPr lang="en-US"/>
               <a:t>Click to edit Master text styles</a:t>
             </a:r>
           </a:p>
           <a:p>
             <a:pPr lvl="1"/>
             <a:r>
-              <a:rPr lang="en-US" smtClean="0"/>
+              <a:rPr lang="en-US"/>
               <a:t>Second level</a:t>
             </a:r>
           </a:p>
           <a:p>
             <a:pPr lvl="2"/>
             <a:r>
-              <a:rPr lang="en-US" smtClean="0"/>
+              <a:rPr lang="en-US"/>
               <a:t>Third level</a:t>
             </a:r>
           </a:p>
           <a:p>
             <a:pPr lvl="3"/>
             <a:r>
-              <a:rPr lang="en-US" smtClean="0"/>
+              <a:rPr lang="en-US"/>
               <a:t>Fourth level</a:t>
             </a:r>
           </a:p>
           <a:p>
             <a:pPr lvl="4"/>
             <a:r>
-              <a:rPr lang="en-US" smtClean="0"/>
+              <a:rPr lang="en-US"/>
               <a:t>Fifth level</a:t>
             </a:r>
-            <a:endParaRPr lang="en-US"/>
           </a:p>
         </p:txBody>
       </p:sp>
@@ -897,7 +896,7 @@
             <a:fld id="{1D8BD707-D9CF-40AE-B4C6-C98DA3205C09}" type="datetimeFigureOut">
               <a:rPr lang="en-US" smtClean="0"/>
               <a:pPr/>
-              <a:t>27-Jan-22</a:t>
+              <a:t>4/24/22</a:t>
             </a:fld>
             <a:endParaRPr lang="en-US"/>
           </a:p>
@@ -1062,7 +1061,7 @@
             <a:fld id="{1D8BD707-D9CF-40AE-B4C6-C98DA3205C09}" type="datetimeFigureOut">
               <a:rPr lang="en-US" smtClean="0"/>
               <a:pPr/>
-              <a:t>27-Jan-22</a:t>
+              <a:t>4/24/22</a:t>
             </a:fld>
             <a:endParaRPr lang="en-US"/>
           </a:p>
@@ -1237,7 +1236,7 @@
             <a:fld id="{1D8BD707-D9CF-40AE-B4C6-C98DA3205C09}" type="datetimeFigureOut">
               <a:rPr lang="en-US" smtClean="0"/>
               <a:pPr/>
-              <a:t>27-Jan-22</a:t>
+              <a:t>4/24/22</a:t>
             </a:fld>
             <a:endParaRPr lang="en-US"/>
           </a:p>
@@ -1402,7 +1401,7 @@
             <a:fld id="{1D8BD707-D9CF-40AE-B4C6-C98DA3205C09}" type="datetimeFigureOut">
               <a:rPr lang="en-US" smtClean="0"/>
               <a:pPr/>
-              <a:t>27-Jan-22</a:t>
+              <a:t>4/24/22</a:t>
             </a:fld>
             <a:endParaRPr lang="en-US"/>
           </a:p>
@@ -1644,7 +1643,7 @@
             <a:fld id="{1D8BD707-D9CF-40AE-B4C6-C98DA3205C09}" type="datetimeFigureOut">
               <a:rPr lang="en-US" smtClean="0"/>
               <a:pPr/>
-              <a:t>27-Jan-22</a:t>
+              <a:t>4/24/22</a:t>
             </a:fld>
             <a:endParaRPr lang="en-US"/>
           </a:p>
@@ -1926,7 +1925,7 @@
             <a:fld id="{1D8BD707-D9CF-40AE-B4C6-C98DA3205C09}" type="datetimeFigureOut">
               <a:rPr lang="en-US" smtClean="0"/>
               <a:pPr/>
-              <a:t>27-Jan-22</a:t>
+              <a:t>4/24/22</a:t>
             </a:fld>
             <a:endParaRPr lang="en-US"/>
           </a:p>
@@ -2342,7 +2341,7 @@
             <a:fld id="{1D8BD707-D9CF-40AE-B4C6-C98DA3205C09}" type="datetimeFigureOut">
               <a:rPr lang="en-US" smtClean="0"/>
               <a:pPr/>
-              <a:t>27-Jan-22</a:t>
+              <a:t>4/24/22</a:t>
             </a:fld>
             <a:endParaRPr lang="en-US"/>
           </a:p>
@@ -2456,7 +2455,7 @@
             <a:fld id="{1D8BD707-D9CF-40AE-B4C6-C98DA3205C09}" type="datetimeFigureOut">
               <a:rPr lang="en-US" smtClean="0"/>
               <a:pPr/>
-              <a:t>27-Jan-22</a:t>
+              <a:t>4/24/22</a:t>
             </a:fld>
             <a:endParaRPr lang="en-US"/>
           </a:p>
@@ -2548,7 +2547,7 @@
             <a:fld id="{1D8BD707-D9CF-40AE-B4C6-C98DA3205C09}" type="datetimeFigureOut">
               <a:rPr lang="en-US" smtClean="0"/>
               <a:pPr/>
-              <a:t>27-Jan-22</a:t>
+              <a:t>4/24/22</a:t>
             </a:fld>
             <a:endParaRPr lang="en-US"/>
           </a:p>
@@ -2820,7 +2819,7 @@
             <a:fld id="{1D8BD707-D9CF-40AE-B4C6-C98DA3205C09}" type="datetimeFigureOut">
               <a:rPr lang="en-US" smtClean="0"/>
               <a:pPr/>
-              <a:t>27-Jan-22</a:t>
+              <a:t>4/24/22</a:t>
             </a:fld>
             <a:endParaRPr lang="en-US"/>
           </a:p>
@@ -3069,7 +3068,7 @@
             <a:fld id="{1D8BD707-D9CF-40AE-B4C6-C98DA3205C09}" type="datetimeFigureOut">
               <a:rPr lang="en-US" smtClean="0"/>
               <a:pPr/>
-              <a:t>27-Jan-22</a:t>
+              <a:t>4/24/22</a:t>
             </a:fld>
             <a:endParaRPr lang="en-US"/>
           </a:p>
@@ -3277,7 +3276,7 @@
             <a:fld id="{1D8BD707-D9CF-40AE-B4C6-C98DA3205C09}" type="datetimeFigureOut">
               <a:rPr lang="en-US" smtClean="0"/>
               <a:pPr/>
-              <a:t>27-Jan-22</a:t>
+              <a:t>4/24/22</a:t>
             </a:fld>
             <a:endParaRPr lang="en-US"/>
           </a:p>
@@ -4021,17 +4020,8 @@
             </a:r>
             <a:r>
               <a:rPr lang="es-ES" dirty="0"/>
-              <a:t> </a:t>
-            </a:r>
-            <a:r>
-              <a:rPr lang="es-ES" dirty="0" smtClean="0"/>
-              <a:t>( dos </a:t>
-            </a:r>
-            <a:r>
-              <a:rPr lang="es-ES" dirty="0" smtClean="0"/>
-              <a:t>perros)</a:t>
-            </a:r>
-            <a:endParaRPr lang="es-ES" dirty="0"/>
+              <a:t> ( dos perros)</a:t>
+            </a:r>
           </a:p>
           <a:p>
             <a:pPr marL="0" indent="0">
@@ -4055,17 +4045,8 @@
             </a:r>
             <a:r>
               <a:rPr lang="es-ES" dirty="0"/>
-              <a:t> </a:t>
-            </a:r>
-            <a:r>
-              <a:rPr lang="es-ES" dirty="0" smtClean="0"/>
-              <a:t>(tres </a:t>
-            </a:r>
-            <a:r>
-              <a:rPr lang="es-ES" dirty="0" smtClean="0"/>
-              <a:t>gatos)</a:t>
-            </a:r>
-            <a:endParaRPr lang="es-ES" dirty="0"/>
+              <a:t> (tres gatos)</a:t>
+            </a:r>
           </a:p>
           <a:p>
             <a:r>
@@ -4362,23 +4343,15 @@
             </a:r>
             <a:r>
               <a:rPr lang="es-ES" dirty="0"/>
-              <a:t> (hermano</a:t>
-            </a:r>
-            <a:r>
-              <a:rPr lang="es-ES" dirty="0" smtClean="0"/>
-              <a:t>).</a:t>
-            </a:r>
-            <a:r>
-              <a:rPr lang="es-ES" dirty="0" err="1" smtClean="0"/>
+              <a:t> (hermano).</a:t>
+            </a:r>
+            <a:r>
+              <a:rPr lang="es-ES" dirty="0" err="1"/>
               <a:t>They</a:t>
             </a:r>
             <a:r>
-              <a:rPr lang="es-ES" dirty="0" smtClean="0"/>
-              <a:t> </a:t>
-            </a:r>
-            <a:r>
-              <a:rPr lang="es-ES" dirty="0"/>
-              <a:t>are </a:t>
+              <a:rPr lang="es-ES" dirty="0"/>
+              <a:t> are </a:t>
             </a:r>
             <a:r>
               <a:rPr lang="es-ES" dirty="0" err="1"/>
@@ -4399,7 +4372,7 @@
           </a:p>
           <a:p>
             <a:r>
-              <a:rPr lang="es-ES" dirty="0" smtClean="0"/>
+              <a:rPr lang="es-ES" dirty="0"/>
               <a:t>I </a:t>
             </a:r>
             <a:r>
@@ -4451,12 +4424,8 @@
           </a:p>
           <a:p>
             <a:r>
-              <a:rPr lang="es-ES" dirty="0" smtClean="0"/>
-              <a:t>I </a:t>
-            </a:r>
-            <a:r>
-              <a:rPr lang="es-ES" dirty="0"/>
-              <a:t>am </a:t>
+              <a:rPr lang="es-ES" dirty="0"/>
+              <a:t>I am </a:t>
             </a:r>
             <a:r>
               <a:rPr lang="es-ES" dirty="0" err="1"/>
